--- a/doku/Keys.pptx
+++ b/doku/Keys.pptx
@@ -265,7 +265,7 @@
           <a:p>
             <a:fld id="{B8A6E1CB-A254-482E-93BE-C0F91E5527EC}" type="datetimeFigureOut">
               <a:rPr lang="de-DE" smtClean="0"/>
-              <a:t>06.07.21</a:t>
+              <a:t>07.07.21</a:t>
             </a:fld>
             <a:endParaRPr lang="de-DE"/>
           </a:p>
@@ -463,7 +463,7 @@
           <a:p>
             <a:fld id="{B8A6E1CB-A254-482E-93BE-C0F91E5527EC}" type="datetimeFigureOut">
               <a:rPr lang="de-DE" smtClean="0"/>
-              <a:t>06.07.21</a:t>
+              <a:t>07.07.21</a:t>
             </a:fld>
             <a:endParaRPr lang="de-DE"/>
           </a:p>
@@ -671,7 +671,7 @@
           <a:p>
             <a:fld id="{B8A6E1CB-A254-482E-93BE-C0F91E5527EC}" type="datetimeFigureOut">
               <a:rPr lang="de-DE" smtClean="0"/>
-              <a:t>06.07.21</a:t>
+              <a:t>07.07.21</a:t>
             </a:fld>
             <a:endParaRPr lang="de-DE"/>
           </a:p>
@@ -869,7 +869,7 @@
           <a:p>
             <a:fld id="{B8A6E1CB-A254-482E-93BE-C0F91E5527EC}" type="datetimeFigureOut">
               <a:rPr lang="de-DE" smtClean="0"/>
-              <a:t>06.07.21</a:t>
+              <a:t>07.07.21</a:t>
             </a:fld>
             <a:endParaRPr lang="de-DE"/>
           </a:p>
@@ -1144,7 +1144,7 @@
           <a:p>
             <a:fld id="{B8A6E1CB-A254-482E-93BE-C0F91E5527EC}" type="datetimeFigureOut">
               <a:rPr lang="de-DE" smtClean="0"/>
-              <a:t>06.07.21</a:t>
+              <a:t>07.07.21</a:t>
             </a:fld>
             <a:endParaRPr lang="de-DE"/>
           </a:p>
@@ -1409,7 +1409,7 @@
           <a:p>
             <a:fld id="{B8A6E1CB-A254-482E-93BE-C0F91E5527EC}" type="datetimeFigureOut">
               <a:rPr lang="de-DE" smtClean="0"/>
-              <a:t>06.07.21</a:t>
+              <a:t>07.07.21</a:t>
             </a:fld>
             <a:endParaRPr lang="de-DE"/>
           </a:p>
@@ -1821,7 +1821,7 @@
           <a:p>
             <a:fld id="{B8A6E1CB-A254-482E-93BE-C0F91E5527EC}" type="datetimeFigureOut">
               <a:rPr lang="de-DE" smtClean="0"/>
-              <a:t>06.07.21</a:t>
+              <a:t>07.07.21</a:t>
             </a:fld>
             <a:endParaRPr lang="de-DE"/>
           </a:p>
@@ -1962,7 +1962,7 @@
           <a:p>
             <a:fld id="{B8A6E1CB-A254-482E-93BE-C0F91E5527EC}" type="datetimeFigureOut">
               <a:rPr lang="de-DE" smtClean="0"/>
-              <a:t>06.07.21</a:t>
+              <a:t>07.07.21</a:t>
             </a:fld>
             <a:endParaRPr lang="de-DE"/>
           </a:p>
@@ -2075,7 +2075,7 @@
           <a:p>
             <a:fld id="{B8A6E1CB-A254-482E-93BE-C0F91E5527EC}" type="datetimeFigureOut">
               <a:rPr lang="de-DE" smtClean="0"/>
-              <a:t>06.07.21</a:t>
+              <a:t>07.07.21</a:t>
             </a:fld>
             <a:endParaRPr lang="de-DE"/>
           </a:p>
@@ -2386,7 +2386,7 @@
           <a:p>
             <a:fld id="{B8A6E1CB-A254-482E-93BE-C0F91E5527EC}" type="datetimeFigureOut">
               <a:rPr lang="de-DE" smtClean="0"/>
-              <a:t>06.07.21</a:t>
+              <a:t>07.07.21</a:t>
             </a:fld>
             <a:endParaRPr lang="de-DE"/>
           </a:p>
@@ -2674,7 +2674,7 @@
           <a:p>
             <a:fld id="{B8A6E1CB-A254-482E-93BE-C0F91E5527EC}" type="datetimeFigureOut">
               <a:rPr lang="de-DE" smtClean="0"/>
-              <a:t>06.07.21</a:t>
+              <a:t>07.07.21</a:t>
             </a:fld>
             <a:endParaRPr lang="de-DE"/>
           </a:p>
@@ -2915,7 +2915,7 @@
           <a:p>
             <a:fld id="{B8A6E1CB-A254-482E-93BE-C0F91E5527EC}" type="datetimeFigureOut">
               <a:rPr lang="de-DE" smtClean="0"/>
-              <a:t>06.07.21</a:t>
+              <a:t>07.07.21</a:t>
             </a:fld>
             <a:endParaRPr lang="de-DE"/>
           </a:p>
@@ -6980,7 +6980,7 @@
             <a:avLst/>
           </a:prstGeom>
           <a:solidFill>
-            <a:srgbClr val="92D050">
+            <a:srgbClr val="FF0000">
               <a:alpha val="40000"/>
             </a:srgbClr>
           </a:solidFill>
